--- a/Design/Second Progress Report Presentation.pptx
+++ b/Design/Second Progress Report Presentation.pptx
@@ -136,6 +136,7 @@
     <p1510:client id="{8F97AF78-2123-4224-A308-5A381A6DD02B}" v="208" dt="2020-02-04T00:47:49.463"/>
     <p1510:client id="{960E60A8-B19A-4BC6-BA7B-80A9168EBECE}" v="34" dt="2020-02-03T05:42:06.951"/>
     <p1510:client id="{9955E0B4-0E15-41CB-B7E2-D2E697F6622C}" v="183" dt="2020-02-22T10:08:14.026"/>
+    <p1510:client id="{9CC498ED-7597-485D-B3AB-0C42416BCE55}" v="158" dt="2020-02-22T21:31:44.054"/>
     <p1510:client id="{A1DBFE54-1FCC-4BCE-B0C3-F476BEED57AB}" v="270" dt="2020-02-03T08:58:26.627"/>
     <p1510:client id="{A6C2E6AA-84AC-43FD-9A5A-1222D675C09A}" v="207" dt="2020-02-22T02:17:27.385"/>
     <p1510:client id="{BB8E6257-AB03-4B3D-ACCA-DF9631BA685D}" v="141" dt="2020-02-02T19:54:47.123"/>
@@ -1506,6 +1507,232 @@
             <pc:docMk/>
             <pc:sldMk cId="2825301317" sldId="261"/>
             <ac:spMk id="2" creationId="{00000000-0000-0000-0000-000000000000}"/>
+          </ac:spMkLst>
+        </pc:spChg>
+      </pc:sldChg>
+    </pc:docChg>
+  </pc:docChgLst>
+  <pc:docChgLst>
+    <pc:chgData name="Stevens, Chandler" userId="S::stevensc3@spu.edu::68e3da84-c510-46fb-be4c-f66bd3d73b91" providerId="AD" clId="Web-{9CC498ED-7597-485D-B3AB-0C42416BCE55}"/>
+    <pc:docChg chg="modSld">
+      <pc:chgData name="Stevens, Chandler" userId="S::stevensc3@spu.edu::68e3da84-c510-46fb-be4c-f66bd3d73b91" providerId="AD" clId="Web-{9CC498ED-7597-485D-B3AB-0C42416BCE55}" dt="2020-02-22T21:31:44.054" v="140" actId="14100"/>
+      <pc:docMkLst>
+        <pc:docMk/>
+      </pc:docMkLst>
+      <pc:sldChg chg="addSp delSp modSp">
+        <pc:chgData name="Stevens, Chandler" userId="S::stevensc3@spu.edu::68e3da84-c510-46fb-be4c-f66bd3d73b91" providerId="AD" clId="Web-{9CC498ED-7597-485D-B3AB-0C42416BCE55}" dt="2020-02-22T21:22:01.587" v="37" actId="14100"/>
+        <pc:sldMkLst>
+          <pc:docMk/>
+          <pc:sldMk cId="1427871213" sldId="265"/>
+        </pc:sldMkLst>
+        <pc:picChg chg="add del mod">
+          <ac:chgData name="Stevens, Chandler" userId="S::stevensc3@spu.edu::68e3da84-c510-46fb-be4c-f66bd3d73b91" providerId="AD" clId="Web-{9CC498ED-7597-485D-B3AB-0C42416BCE55}" dt="2020-02-22T21:18:29.553" v="1"/>
+          <ac:picMkLst>
+            <pc:docMk/>
+            <pc:sldMk cId="1427871213" sldId="265"/>
+            <ac:picMk id="3" creationId="{B27FA405-A0BB-4108-9680-68DA3584C477}"/>
+          </ac:picMkLst>
+        </pc:picChg>
+        <pc:picChg chg="del">
+          <ac:chgData name="Stevens, Chandler" userId="S::stevensc3@spu.edu::68e3da84-c510-46fb-be4c-f66bd3d73b91" providerId="AD" clId="Web-{9CC498ED-7597-485D-B3AB-0C42416BCE55}" dt="2020-02-22T21:21:14.286" v="27"/>
+          <ac:picMkLst>
+            <pc:docMk/>
+            <pc:sldMk cId="1427871213" sldId="265"/>
+            <ac:picMk id="8" creationId="{37E463F4-BDE2-45F4-A50A-67ADD45725BE}"/>
+          </ac:picMkLst>
+        </pc:picChg>
+        <pc:picChg chg="add mod">
+          <ac:chgData name="Stevens, Chandler" userId="S::stevensc3@spu.edu::68e3da84-c510-46fb-be4c-f66bd3d73b91" providerId="AD" clId="Web-{9CC498ED-7597-485D-B3AB-0C42416BCE55}" dt="2020-02-22T21:21:48.227" v="34" actId="14100"/>
+          <ac:picMkLst>
+            <pc:docMk/>
+            <pc:sldMk cId="1427871213" sldId="265"/>
+            <ac:picMk id="9" creationId="{283D0EFC-EEDC-4BD7-ABC7-ABC9428CAF58}"/>
+          </ac:picMkLst>
+        </pc:picChg>
+        <pc:picChg chg="del mod">
+          <ac:chgData name="Stevens, Chandler" userId="S::stevensc3@spu.edu::68e3da84-c510-46fb-be4c-f66bd3d73b91" providerId="AD" clId="Web-{9CC498ED-7597-485D-B3AB-0C42416BCE55}" dt="2020-02-22T21:21:07.770" v="26"/>
+          <ac:picMkLst>
+            <pc:docMk/>
+            <pc:sldMk cId="1427871213" sldId="265"/>
+            <ac:picMk id="10" creationId="{65B77E37-3A53-472F-9A28-C08396A7D644}"/>
+          </ac:picMkLst>
+        </pc:picChg>
+        <pc:picChg chg="add mod">
+          <ac:chgData name="Stevens, Chandler" userId="S::stevensc3@spu.edu::68e3da84-c510-46fb-be4c-f66bd3d73b91" providerId="AD" clId="Web-{9CC498ED-7597-485D-B3AB-0C42416BCE55}" dt="2020-02-22T21:22:01.587" v="37" actId="14100"/>
+          <ac:picMkLst>
+            <pc:docMk/>
+            <pc:sldMk cId="1427871213" sldId="265"/>
+            <ac:picMk id="11" creationId="{B2D6DE62-1B0B-4150-A675-41686967B57D}"/>
+          </ac:picMkLst>
+        </pc:picChg>
+        <pc:picChg chg="mod modCrop">
+          <ac:chgData name="Stevens, Chandler" userId="S::stevensc3@spu.edu::68e3da84-c510-46fb-be4c-f66bd3d73b91" providerId="AD" clId="Web-{9CC498ED-7597-485D-B3AB-0C42416BCE55}" dt="2020-02-22T21:20:28.677" v="20" actId="14100"/>
+          <ac:picMkLst>
+            <pc:docMk/>
+            <pc:sldMk cId="1427871213" sldId="265"/>
+            <ac:picMk id="12" creationId="{B8E5F731-02CC-4DFB-B8A4-EB6B66F59EB3}"/>
+          </ac:picMkLst>
+        </pc:picChg>
+        <pc:picChg chg="mod modCrop">
+          <ac:chgData name="Stevens, Chandler" userId="S::stevensc3@spu.edu::68e3da84-c510-46fb-be4c-f66bd3d73b91" providerId="AD" clId="Web-{9CC498ED-7597-485D-B3AB-0C42416BCE55}" dt="2020-02-22T21:20:38.442" v="21" actId="14100"/>
+          <ac:picMkLst>
+            <pc:docMk/>
+            <pc:sldMk cId="1427871213" sldId="265"/>
+            <ac:picMk id="14" creationId="{38BA8511-2F17-4B9C-A04A-7BE402513A27}"/>
+          </ac:picMkLst>
+        </pc:picChg>
+      </pc:sldChg>
+      <pc:sldChg chg="modSp">
+        <pc:chgData name="Stevens, Chandler" userId="S::stevensc3@spu.edu::68e3da84-c510-46fb-be4c-f66bd3d73b91" providerId="AD" clId="Web-{9CC498ED-7597-485D-B3AB-0C42416BCE55}" dt="2020-02-22T21:23:18.680" v="44" actId="1076"/>
+        <pc:sldMkLst>
+          <pc:docMk/>
+          <pc:sldMk cId="1976744425" sldId="266"/>
+        </pc:sldMkLst>
+        <pc:picChg chg="mod modCrop">
+          <ac:chgData name="Stevens, Chandler" userId="S::stevensc3@spu.edu::68e3da84-c510-46fb-be4c-f66bd3d73b91" providerId="AD" clId="Web-{9CC498ED-7597-485D-B3AB-0C42416BCE55}" dt="2020-02-22T21:23:18.680" v="44" actId="1076"/>
+          <ac:picMkLst>
+            <pc:docMk/>
+            <pc:sldMk cId="1976744425" sldId="266"/>
+            <ac:picMk id="6" creationId="{DFAF2FFA-8A09-4DE8-886C-A845B45CA3E3}"/>
+          </ac:picMkLst>
+        </pc:picChg>
+      </pc:sldChg>
+      <pc:sldChg chg="modSp">
+        <pc:chgData name="Stevens, Chandler" userId="S::stevensc3@spu.edu::68e3da84-c510-46fb-be4c-f66bd3d73b91" providerId="AD" clId="Web-{9CC498ED-7597-485D-B3AB-0C42416BCE55}" dt="2020-02-22T21:25:23.007" v="60" actId="14100"/>
+        <pc:sldMkLst>
+          <pc:docMk/>
+          <pc:sldMk cId="2905515440" sldId="267"/>
+        </pc:sldMkLst>
+        <pc:picChg chg="mod modCrop">
+          <ac:chgData name="Stevens, Chandler" userId="S::stevensc3@spu.edu::68e3da84-c510-46fb-be4c-f66bd3d73b91" providerId="AD" clId="Web-{9CC498ED-7597-485D-B3AB-0C42416BCE55}" dt="2020-02-22T21:24:02.789" v="49" actId="14100"/>
+          <ac:picMkLst>
+            <pc:docMk/>
+            <pc:sldMk cId="2905515440" sldId="267"/>
+            <ac:picMk id="6" creationId="{40B981D1-9BA0-4BB2-9969-B47E74D76104}"/>
+          </ac:picMkLst>
+        </pc:picChg>
+        <pc:picChg chg="mod modCrop">
+          <ac:chgData name="Stevens, Chandler" userId="S::stevensc3@spu.edu::68e3da84-c510-46fb-be4c-f66bd3d73b91" providerId="AD" clId="Web-{9CC498ED-7597-485D-B3AB-0C42416BCE55}" dt="2020-02-22T21:24:44.476" v="55" actId="1076"/>
+          <ac:picMkLst>
+            <pc:docMk/>
+            <pc:sldMk cId="2905515440" sldId="267"/>
+            <ac:picMk id="8" creationId="{87C2A05B-7D1E-40B7-A9EB-A03D288B6333}"/>
+          </ac:picMkLst>
+        </pc:picChg>
+        <pc:picChg chg="mod modCrop">
+          <ac:chgData name="Stevens, Chandler" userId="S::stevensc3@spu.edu::68e3da84-c510-46fb-be4c-f66bd3d73b91" providerId="AD" clId="Web-{9CC498ED-7597-485D-B3AB-0C42416BCE55}" dt="2020-02-22T21:25:23.007" v="60" actId="14100"/>
+          <ac:picMkLst>
+            <pc:docMk/>
+            <pc:sldMk cId="2905515440" sldId="267"/>
+            <ac:picMk id="10" creationId="{2E1E193F-53AE-40DE-94B0-855F59B2382F}"/>
+          </ac:picMkLst>
+        </pc:picChg>
+      </pc:sldChg>
+      <pc:sldChg chg="modSp">
+        <pc:chgData name="Stevens, Chandler" userId="S::stevensc3@spu.edu::68e3da84-c510-46fb-be4c-f66bd3d73b91" providerId="AD" clId="Web-{9CC498ED-7597-485D-B3AB-0C42416BCE55}" dt="2020-02-22T21:27:05.100" v="72" actId="14100"/>
+        <pc:sldMkLst>
+          <pc:docMk/>
+          <pc:sldMk cId="979881686" sldId="268"/>
+        </pc:sldMkLst>
+        <pc:picChg chg="mod modCrop">
+          <ac:chgData name="Stevens, Chandler" userId="S::stevensc3@spu.edu::68e3da84-c510-46fb-be4c-f66bd3d73b91" providerId="AD" clId="Web-{9CC498ED-7597-485D-B3AB-0C42416BCE55}" dt="2020-02-22T21:26:03.084" v="65" actId="14100"/>
+          <ac:picMkLst>
+            <pc:docMk/>
+            <pc:sldMk cId="979881686" sldId="268"/>
+            <ac:picMk id="6" creationId="{A3719955-F22B-4031-97A4-3D9C227DFA61}"/>
+          </ac:picMkLst>
+        </pc:picChg>
+        <pc:picChg chg="mod modCrop">
+          <ac:chgData name="Stevens, Chandler" userId="S::stevensc3@spu.edu::68e3da84-c510-46fb-be4c-f66bd3d73b91" providerId="AD" clId="Web-{9CC498ED-7597-485D-B3AB-0C42416BCE55}" dt="2020-02-22T21:27:05.100" v="72" actId="14100"/>
+          <ac:picMkLst>
+            <pc:docMk/>
+            <pc:sldMk cId="979881686" sldId="268"/>
+            <ac:picMk id="8" creationId="{96FC9B3C-D657-4865-8391-E1707C788803}"/>
+          </ac:picMkLst>
+        </pc:picChg>
+      </pc:sldChg>
+      <pc:sldChg chg="addSp modSp">
+        <pc:chgData name="Stevens, Chandler" userId="S::stevensc3@spu.edu::68e3da84-c510-46fb-be4c-f66bd3d73b91" providerId="AD" clId="Web-{9CC498ED-7597-485D-B3AB-0C42416BCE55}" dt="2020-02-22T21:30:02.007" v="93" actId="14100"/>
+        <pc:sldMkLst>
+          <pc:docMk/>
+          <pc:sldMk cId="270664933" sldId="269"/>
+        </pc:sldMkLst>
+        <pc:spChg chg="mod">
+          <ac:chgData name="Stevens, Chandler" userId="S::stevensc3@spu.edu::68e3da84-c510-46fb-be4c-f66bd3d73b91" providerId="AD" clId="Web-{9CC498ED-7597-485D-B3AB-0C42416BCE55}" dt="2020-02-22T21:29:01.180" v="82" actId="1076"/>
+          <ac:spMkLst>
+            <pc:docMk/>
+            <pc:sldMk cId="270664933" sldId="269"/>
+            <ac:spMk id="2" creationId="{A84BBC0E-8359-4F75-9129-F14A53E6061E}"/>
+          </ac:spMkLst>
+        </pc:spChg>
+        <pc:picChg chg="add mod">
+          <ac:chgData name="Stevens, Chandler" userId="S::stevensc3@spu.edu::68e3da84-c510-46fb-be4c-f66bd3d73b91" providerId="AD" clId="Web-{9CC498ED-7597-485D-B3AB-0C42416BCE55}" dt="2020-02-22T21:30:02.007" v="93" actId="14100"/>
+          <ac:picMkLst>
+            <pc:docMk/>
+            <pc:sldMk cId="270664933" sldId="269"/>
+            <ac:picMk id="5" creationId="{A0677BC4-F9C9-49BA-8851-97D44767E7AF}"/>
+          </ac:picMkLst>
+        </pc:picChg>
+        <pc:picChg chg="mod modCrop">
+          <ac:chgData name="Stevens, Chandler" userId="S::stevensc3@spu.edu::68e3da84-c510-46fb-be4c-f66bd3d73b91" providerId="AD" clId="Web-{9CC498ED-7597-485D-B3AB-0C42416BCE55}" dt="2020-02-22T21:28:55.695" v="81" actId="1076"/>
+          <ac:picMkLst>
+            <pc:docMk/>
+            <pc:sldMk cId="270664933" sldId="269"/>
+            <ac:picMk id="6" creationId="{BB9D242D-7EF9-4E62-80EC-72A76F53A4B2}"/>
+          </ac:picMkLst>
+        </pc:picChg>
+        <pc:picChg chg="mod modCrop">
+          <ac:chgData name="Stevens, Chandler" userId="S::stevensc3@spu.edu::68e3da84-c510-46fb-be4c-f66bd3d73b91" providerId="AD" clId="Web-{9CC498ED-7597-485D-B3AB-0C42416BCE55}" dt="2020-02-22T21:29:36.789" v="88" actId="14100"/>
+          <ac:picMkLst>
+            <pc:docMk/>
+            <pc:sldMk cId="270664933" sldId="269"/>
+            <ac:picMk id="8" creationId="{2166F3C7-CFC7-40B6-A318-7F704131B309}"/>
+          </ac:picMkLst>
+        </pc:picChg>
+      </pc:sldChg>
+      <pc:sldChg chg="modSp">
+        <pc:chgData name="Stevens, Chandler" userId="S::stevensc3@spu.edu::68e3da84-c510-46fb-be4c-f66bd3d73b91" providerId="AD" clId="Web-{9CC498ED-7597-485D-B3AB-0C42416BCE55}" dt="2020-02-22T21:30:37.836" v="111" actId="20577"/>
+        <pc:sldMkLst>
+          <pc:docMk/>
+          <pc:sldMk cId="4074273496" sldId="271"/>
+        </pc:sldMkLst>
+        <pc:spChg chg="mod">
+          <ac:chgData name="Stevens, Chandler" userId="S::stevensc3@spu.edu::68e3da84-c510-46fb-be4c-f66bd3d73b91" providerId="AD" clId="Web-{9CC498ED-7597-485D-B3AB-0C42416BCE55}" dt="2020-02-22T21:30:37.836" v="111" actId="20577"/>
+          <ac:spMkLst>
+            <pc:docMk/>
+            <pc:sldMk cId="4074273496" sldId="271"/>
+            <ac:spMk id="2" creationId="{99B00CE4-D5B8-4EBD-9623-0153054D9D02}"/>
+          </ac:spMkLst>
+        </pc:spChg>
+        <pc:spChg chg="mod">
+          <ac:chgData name="Stevens, Chandler" userId="S::stevensc3@spu.edu::68e3da84-c510-46fb-be4c-f66bd3d73b91" providerId="AD" clId="Web-{9CC498ED-7597-485D-B3AB-0C42416BCE55}" dt="2020-02-22T21:30:28.883" v="100" actId="14100"/>
+          <ac:spMkLst>
+            <pc:docMk/>
+            <pc:sldMk cId="4074273496" sldId="271"/>
+            <ac:spMk id="5" creationId="{FA58BE51-43D7-4DE6-9E77-E41390608DC6}"/>
+          </ac:spMkLst>
+        </pc:spChg>
+      </pc:sldChg>
+      <pc:sldChg chg="modSp">
+        <pc:chgData name="Stevens, Chandler" userId="S::stevensc3@spu.edu::68e3da84-c510-46fb-be4c-f66bd3d73b91" providerId="AD" clId="Web-{9CC498ED-7597-485D-B3AB-0C42416BCE55}" dt="2020-02-22T21:31:44.054" v="140" actId="14100"/>
+        <pc:sldMkLst>
+          <pc:docMk/>
+          <pc:sldMk cId="3263202766" sldId="272"/>
+        </pc:sldMkLst>
+        <pc:spChg chg="mod">
+          <ac:chgData name="Stevens, Chandler" userId="S::stevensc3@spu.edu::68e3da84-c510-46fb-be4c-f66bd3d73b91" providerId="AD" clId="Web-{9CC498ED-7597-485D-B3AB-0C42416BCE55}" dt="2020-02-22T21:31:09.367" v="116" actId="20577"/>
+          <ac:spMkLst>
+            <pc:docMk/>
+            <pc:sldMk cId="3263202766" sldId="272"/>
+            <ac:spMk id="5" creationId="{FA58BE51-43D7-4DE6-9E77-E41390608DC6}"/>
+          </ac:spMkLst>
+        </pc:spChg>
+        <pc:spChg chg="mod">
+          <ac:chgData name="Stevens, Chandler" userId="S::stevensc3@spu.edu::68e3da84-c510-46fb-be4c-f66bd3d73b91" providerId="AD" clId="Web-{9CC498ED-7597-485D-B3AB-0C42416BCE55}" dt="2020-02-22T21:31:44.054" v="140" actId="14100"/>
+          <ac:spMkLst>
+            <pc:docMk/>
+            <pc:sldMk cId="3263202766" sldId="272"/>
+            <ac:spMk id="7" creationId="{9D27CC7E-4864-4AF4-8F83-15C6ABDB67BA}"/>
           </ac:spMkLst>
         </pc:spChg>
       </pc:sldChg>
@@ -8144,7 +8371,7 @@
         </p:spPr>
         <p:txBody>
           <a:bodyPr vert="horz" lIns="91440" tIns="45720" rIns="91440" bIns="45720" rtlCol="0" anchor="t">
-            <a:normAutofit fontScale="77500" lnSpcReduction="20000"/>
+            <a:normAutofit fontScale="62500" lnSpcReduction="20000"/>
           </a:bodyPr>
           <a:lstStyle/>
           <a:p>
@@ -8181,8 +8408,21 @@
                 <a:ea typeface="+mn-lt"/>
                 <a:cs typeface="+mn-lt"/>
               </a:rPr>
-              <a:t>        &lt;category1&gt;</a:t>
+              <a:t>        &lt;total&gt;133.00&lt;/total&gt;</a:t>
             </a:r>
+          </a:p>
+          <a:p>
+            <a:pPr>
+              <a:buNone/>
+            </a:pPr>
+            <a:r>
+              <a:rPr lang="en-US" dirty="0">
+                <a:ea typeface="+mn-lt"/>
+                <a:cs typeface="+mn-lt"/>
+              </a:rPr>
+              <a:t>        &lt;category id="1"&gt;</a:t>
+            </a:r>
+            <a:endParaRPr lang="en-US" dirty="0"/>
           </a:p>
           <a:p>
             <a:pPr>
@@ -8195,7 +8435,6 @@
               </a:rPr>
               <a:t>            &lt;label&gt;Food&lt;/label&gt;</a:t>
             </a:r>
-            <a:endParaRPr lang="en-US" dirty="0"/>
           </a:p>
           <a:p>
             <a:pPr>
@@ -8270,7 +8509,7 @@
             </a:r>
           </a:p>
           <a:p>
-            <a:pPr>
+            <a:pPr marL="0" indent="0">
               <a:buNone/>
             </a:pPr>
             <a:r>
@@ -8308,10 +8547,10 @@
         </p:nvGrpSpPr>
         <p:grpSpPr>
           <a:xfrm>
-            <a:off x="5888038" y="1763713"/>
-            <a:ext cx="5499100" cy="4414837"/>
-            <a:chOff x="5888038" y="1763713"/>
-            <a:chExt cx="5499100" cy="4414837"/>
+            <a:off x="5878269" y="1763713"/>
+            <a:ext cx="5694484" cy="4414837"/>
+            <a:chOff x="5878269" y="1763713"/>
+            <a:chExt cx="5694484" cy="4414837"/>
           </a:xfrm>
         </p:grpSpPr>
         <p:sp>
@@ -8537,8 +8776,8 @@
           </p:nvSpPr>
           <p:spPr>
             <a:xfrm>
-              <a:off x="5888038" y="1763713"/>
-              <a:ext cx="5499100" cy="4351338"/>
+              <a:off x="5878269" y="1763713"/>
+              <a:ext cx="5694484" cy="4351338"/>
             </a:xfrm>
             <a:prstGeom prst="rect">
               <a:avLst/>
@@ -8733,8 +8972,9 @@
                   <a:ea typeface="+mn-lt"/>
                   <a:cs typeface="+mn-lt"/>
                 </a:rPr>
-                <a:t>&lt;entry&gt;</a:t>
+                <a:t>                                &lt;entry id="1"&gt;</a:t>
               </a:r>
+              <a:endParaRPr lang="en-US" dirty="0"/>
             </a:p>
             <a:p>
               <a:pPr>
@@ -8745,46 +8985,7 @@
                   <a:ea typeface="+mn-lt"/>
                   <a:cs typeface="+mn-lt"/>
                 </a:rPr>
-                <a:t>    &lt;amount&gt;5.00&lt;/amount&gt;</a:t>
-              </a:r>
-            </a:p>
-            <a:p>
-              <a:pPr>
-                <a:buNone/>
-              </a:pPr>
-              <a:r>
-                <a:rPr lang="en-US" sz="1800" dirty="0">
-                  <a:ea typeface="+mn-lt"/>
-                  <a:cs typeface="+mn-lt"/>
-                </a:rPr>
-                <a:t>    &lt;description&gt;Starbucks Venti Mocha&lt;/description&gt;</a:t>
-              </a:r>
-              <a:endParaRPr lang="en-US" sz="1800">
-                <a:cs typeface="Calibri"/>
-              </a:endParaRPr>
-            </a:p>
-            <a:p>
-              <a:pPr>
-                <a:buNone/>
-              </a:pPr>
-              <a:r>
-                <a:rPr lang="en-US" sz="1800" dirty="0">
-                  <a:ea typeface="+mn-lt"/>
-                  <a:cs typeface="+mn-lt"/>
-                </a:rPr>
-                <a:t>&lt;/entry&gt;</a:t>
-              </a:r>
-            </a:p>
-            <a:p>
-              <a:pPr>
-                <a:buNone/>
-              </a:pPr>
-              <a:r>
-                <a:rPr lang="en-US" sz="1800" dirty="0">
-                  <a:ea typeface="+mn-lt"/>
-                  <a:cs typeface="+mn-lt"/>
-                </a:rPr>
-                <a:t>&lt;entry&gt;</a:t>
+                <a:t>                                        &lt;amount&gt;5.00&lt;/amount&gt;</a:t>
               </a:r>
               <a:endParaRPr lang="en-US" dirty="0">
                 <a:ea typeface="+mn-lt"/>
@@ -8800,7 +9001,7 @@
                   <a:ea typeface="+mn-lt"/>
                   <a:cs typeface="+mn-lt"/>
                 </a:rPr>
-                <a:t>    &lt;amount&gt;2.00&lt;/amount&gt;</a:t>
+                <a:t>                                        &lt;description&gt;Coffee&lt;/description&gt;</a:t>
               </a:r>
               <a:endParaRPr lang="en-US" dirty="0">
                 <a:ea typeface="+mn-lt"/>
@@ -8816,7 +9017,7 @@
                   <a:ea typeface="+mn-lt"/>
                   <a:cs typeface="+mn-lt"/>
                 </a:rPr>
-                <a:t>    &lt;description&gt;&lt;/description&gt;</a:t>
+                <a:t>                                &lt;/entry&gt;</a:t>
               </a:r>
               <a:endParaRPr lang="en-US" dirty="0">
                 <a:ea typeface="+mn-lt"/>
@@ -8832,7 +9033,52 @@
                   <a:ea typeface="+mn-lt"/>
                   <a:cs typeface="+mn-lt"/>
                 </a:rPr>
-                <a:t>&lt;/entry&gt;</a:t>
+                <a:t>                                    &lt;entry id="2"&gt;</a:t>
+              </a:r>
+              <a:endParaRPr lang="en-US" dirty="0"/>
+            </a:p>
+            <a:p>
+              <a:pPr>
+                <a:buNone/>
+              </a:pPr>
+              <a:r>
+                <a:rPr lang="en-US" sz="1800" dirty="0">
+                  <a:ea typeface="+mn-lt"/>
+                  <a:cs typeface="+mn-lt"/>
+                </a:rPr>
+                <a:t>                                        &lt;amount&gt;2.00&lt;/amount&gt;</a:t>
+              </a:r>
+              <a:endParaRPr lang="en-US" dirty="0">
+                <a:ea typeface="+mn-lt"/>
+                <a:cs typeface="+mn-lt"/>
+              </a:endParaRPr>
+            </a:p>
+            <a:p>
+              <a:pPr>
+                <a:buNone/>
+              </a:pPr>
+              <a:r>
+                <a:rPr lang="en-US" sz="1800" dirty="0">
+                  <a:ea typeface="+mn-lt"/>
+                  <a:cs typeface="+mn-lt"/>
+                </a:rPr>
+                <a:t>                                        &lt;description&gt;&lt;/description&gt;</a:t>
+              </a:r>
+              <a:endParaRPr lang="en-US" dirty="0">
+                <a:ea typeface="+mn-lt"/>
+                <a:cs typeface="+mn-lt"/>
+              </a:endParaRPr>
+            </a:p>
+            <a:p>
+              <a:pPr>
+                <a:buNone/>
+              </a:pPr>
+              <a:r>
+                <a:rPr lang="en-US" sz="1800" dirty="0">
+                  <a:ea typeface="+mn-lt"/>
+                  <a:cs typeface="+mn-lt"/>
+                </a:rPr>
+                <a:t>                                    &lt;/entry&gt;</a:t>
               </a:r>
               <a:endParaRPr lang="en-US" dirty="0">
                 <a:ea typeface="+mn-lt"/>
@@ -9553,64 +9799,6 @@
       </p:sp>
       <p:pic>
         <p:nvPicPr>
-          <p:cNvPr id="8" name="Picture 8" descr="A screenshot of a cell phone&#10;&#10;Description generated with very high confidence">
-            <a:extLst>
-              <a:ext uri="{FF2B5EF4-FFF2-40B4-BE49-F238E27FC236}">
-                <a16:creationId xmlns:a16="http://schemas.microsoft.com/office/drawing/2014/main" id="{37E463F4-BDE2-45F4-A50A-67ADD45725BE}"/>
-              </a:ext>
-            </a:extLst>
-          </p:cNvPr>
-          <p:cNvPicPr>
-            <a:picLocks noChangeAspect="1"/>
-          </p:cNvPicPr>
-          <p:nvPr/>
-        </p:nvPicPr>
-        <p:blipFill rotWithShape="1">
-          <a:blip r:embed="rId2"/>
-          <a:srcRect l="33808" t="24841" r="46263" b="5732"/>
-          <a:stretch/>
-        </p:blipFill>
-        <p:spPr>
-          <a:xfrm>
-            <a:off x="836247" y="1377706"/>
-            <a:ext cx="2598229" cy="5105985"/>
-          </a:xfrm>
-          <a:prstGeom prst="rect">
-            <a:avLst/>
-          </a:prstGeom>
-        </p:spPr>
-      </p:pic>
-      <p:pic>
-        <p:nvPicPr>
-          <p:cNvPr id="10" name="Picture 10" descr="A screenshot of a cell phone&#10;&#10;Description generated with very high confidence">
-            <a:extLst>
-              <a:ext uri="{FF2B5EF4-FFF2-40B4-BE49-F238E27FC236}">
-                <a16:creationId xmlns:a16="http://schemas.microsoft.com/office/drawing/2014/main" id="{65B77E37-3A53-472F-9A28-C08396A7D644}"/>
-              </a:ext>
-            </a:extLst>
-          </p:cNvPr>
-          <p:cNvPicPr>
-            <a:picLocks noChangeAspect="1"/>
-          </p:cNvPicPr>
-          <p:nvPr/>
-        </p:nvPicPr>
-        <p:blipFill rotWithShape="1">
-          <a:blip r:embed="rId3"/>
-          <a:srcRect l="33939" t="25077" r="46926" b="7077"/>
-          <a:stretch/>
-        </p:blipFill>
-        <p:spPr>
-          <a:xfrm>
-            <a:off x="3434861" y="1377707"/>
-            <a:ext cx="2520100" cy="5037454"/>
-          </a:xfrm>
-          <a:prstGeom prst="rect">
-            <a:avLst/>
-          </a:prstGeom>
-        </p:spPr>
-      </p:pic>
-      <p:pic>
-        <p:nvPicPr>
           <p:cNvPr id="12" name="Picture 12" descr="A screenshot of a cell phone&#10;&#10;Description generated with very high confidence">
             <a:extLst>
               <a:ext uri="{FF2B5EF4-FFF2-40B4-BE49-F238E27FC236}">
@@ -9623,16 +9811,15 @@
           </p:cNvPicPr>
           <p:nvPr/>
         </p:nvPicPr>
-        <p:blipFill>
-          <a:blip r:embed="rId4"/>
-          <a:stretch>
-            <a:fillRect/>
-          </a:stretch>
+        <p:blipFill rotWithShape="1">
+          <a:blip r:embed="rId2"/>
+          <a:srcRect l="22466" t="897" r="37498" b="1346"/>
+          <a:stretch/>
         </p:blipFill>
         <p:spPr>
           <a:xfrm>
-            <a:off x="6096000" y="1381369"/>
-            <a:ext cx="2471615" cy="4994031"/>
+            <a:off x="5955322" y="1381369"/>
+            <a:ext cx="2570492" cy="4985282"/>
           </a:xfrm>
           <a:prstGeom prst="rect">
             <a:avLst/>
@@ -9641,7 +9828,7 @@
       </p:pic>
       <p:pic>
         <p:nvPicPr>
-          <p:cNvPr id="14" name="Picture 14" descr="A clock mounted to the side&#10;&#10;Description generated with high confidence">
+          <p:cNvPr id="14" name="Picture 14" descr="A screenshot of a cell phone&#10;&#10;Description generated with very high confidence">
             <a:extLst>
               <a:ext uri="{FF2B5EF4-FFF2-40B4-BE49-F238E27FC236}">
                 <a16:creationId xmlns:a16="http://schemas.microsoft.com/office/drawing/2014/main" id="{38BA8511-2F17-4B9C-A04A-7BE402513A27}"/>
@@ -9653,16 +9840,73 @@
           </p:cNvPicPr>
           <p:nvPr/>
         </p:nvPicPr>
-        <p:blipFill>
-          <a:blip r:embed="rId5"/>
-          <a:stretch>
-            <a:fillRect/>
-          </a:stretch>
+        <p:blipFill rotWithShape="1">
+          <a:blip r:embed="rId3"/>
+          <a:srcRect l="22564" t="852" r="37564" b="1872"/>
+          <a:stretch/>
         </p:blipFill>
         <p:spPr>
           <a:xfrm>
-            <a:off x="8715507" y="1381369"/>
-            <a:ext cx="2468908" cy="5033107"/>
+            <a:off x="8525007" y="1381369"/>
+            <a:ext cx="2576141" cy="4991837"/>
+          </a:xfrm>
+          <a:prstGeom prst="rect">
+            <a:avLst/>
+          </a:prstGeom>
+        </p:spPr>
+      </p:pic>
+      <p:pic>
+        <p:nvPicPr>
+          <p:cNvPr id="9" name="Picture 12" descr="A screenshot of a cell phone&#10;&#10;Description generated with very high confidence">
+            <a:extLst>
+              <a:ext uri="{FF2B5EF4-FFF2-40B4-BE49-F238E27FC236}">
+                <a16:creationId xmlns:a16="http://schemas.microsoft.com/office/drawing/2014/main" id="{283D0EFC-EEDC-4BD7-ABC7-ABC9428CAF58}"/>
+              </a:ext>
+            </a:extLst>
+          </p:cNvPr>
+          <p:cNvPicPr>
+            <a:picLocks noChangeAspect="1"/>
+          </p:cNvPicPr>
+          <p:nvPr/>
+        </p:nvPicPr>
+        <p:blipFill rotWithShape="1">
+          <a:blip r:embed="rId4"/>
+          <a:srcRect l="22466" t="897" r="37498" b="1346"/>
+          <a:stretch/>
+        </p:blipFill>
+        <p:spPr>
+          <a:xfrm>
+            <a:off x="835635" y="1378023"/>
+            <a:ext cx="2550954" cy="4991972"/>
+          </a:xfrm>
+          <a:prstGeom prst="rect">
+            <a:avLst/>
+          </a:prstGeom>
+        </p:spPr>
+      </p:pic>
+      <p:pic>
+        <p:nvPicPr>
+          <p:cNvPr id="11" name="Picture 12" descr="A screenshot of a cell phone&#10;&#10;Description generated with very high confidence">
+            <a:extLst>
+              <a:ext uri="{FF2B5EF4-FFF2-40B4-BE49-F238E27FC236}">
+                <a16:creationId xmlns:a16="http://schemas.microsoft.com/office/drawing/2014/main" id="{B2D6DE62-1B0B-4150-A675-41686967B57D}"/>
+              </a:ext>
+            </a:extLst>
+          </p:cNvPr>
+          <p:cNvPicPr>
+            <a:picLocks noChangeAspect="1"/>
+          </p:cNvPicPr>
+          <p:nvPr/>
+        </p:nvPicPr>
+        <p:blipFill rotWithShape="1">
+          <a:blip r:embed="rId5"/>
+          <a:srcRect l="22466" t="897" r="37498" b="1346"/>
+          <a:stretch/>
+        </p:blipFill>
+        <p:spPr>
+          <a:xfrm>
+            <a:off x="3386013" y="1378023"/>
+            <a:ext cx="2570492" cy="4991972"/>
           </a:xfrm>
           <a:prstGeom prst="rect">
             <a:avLst/>
@@ -9732,7 +9976,7 @@
       </p:sp>
       <p:pic>
         <p:nvPicPr>
-          <p:cNvPr id="6" name="Picture 6" descr="A screenshot of a cellphone&#10;&#10;Description generated with very high confidence">
+          <p:cNvPr id="6" name="Picture 6" descr="A screenshot of a cell phone&#10;&#10;Description generated with very high confidence">
             <a:extLst>
               <a:ext uri="{FF2B5EF4-FFF2-40B4-BE49-F238E27FC236}">
                 <a16:creationId xmlns:a16="http://schemas.microsoft.com/office/drawing/2014/main" id="{DFAF2FFA-8A09-4DE8-886C-A845B45CA3E3}"/>
@@ -9746,16 +9990,15 @@
             <p:ph idx="1"/>
           </p:nvPr>
         </p:nvPicPr>
-        <p:blipFill>
+        <p:blipFill rotWithShape="1">
           <a:blip r:embed="rId2"/>
-          <a:stretch>
-            <a:fillRect/>
-          </a:stretch>
+          <a:srcRect l="22680" t="1062" r="38144" b="1911"/>
+          <a:stretch/>
         </p:blipFill>
         <p:spPr>
           <a:xfrm>
-            <a:off x="4668904" y="1307856"/>
-            <a:ext cx="2609961" cy="5338030"/>
+            <a:off x="4698212" y="947142"/>
+            <a:ext cx="2790793" cy="5590756"/>
           </a:xfrm>
         </p:spPr>
       </p:pic>
@@ -9841,16 +10084,15 @@
             <p:ph idx="1"/>
           </p:nvPr>
         </p:nvPicPr>
-        <p:blipFill>
+        <p:blipFill rotWithShape="1">
           <a:blip r:embed="rId2"/>
-          <a:stretch>
-            <a:fillRect/>
-          </a:stretch>
+          <a:srcRect l="22064" t="877" r="37722" b="1316"/>
+          <a:stretch/>
         </p:blipFill>
         <p:spPr>
           <a:xfrm>
-            <a:off x="1536428" y="1337164"/>
-            <a:ext cx="2749605" cy="5425953"/>
+            <a:off x="1546197" y="1335122"/>
+            <a:ext cx="2756717" cy="5420309"/>
           </a:xfrm>
         </p:spPr>
       </p:pic>
@@ -9868,16 +10110,15 @@
           </p:cNvPicPr>
           <p:nvPr/>
         </p:nvPicPr>
-        <p:blipFill>
+        <p:blipFill rotWithShape="1">
           <a:blip r:embed="rId3"/>
-          <a:stretch>
-            <a:fillRect/>
-          </a:stretch>
+          <a:srcRect l="21898" t="1351" r="39051" b="1802"/>
+          <a:stretch/>
         </p:blipFill>
         <p:spPr>
           <a:xfrm>
-            <a:off x="4516091" y="1332523"/>
-            <a:ext cx="2681127" cy="5414107"/>
+            <a:off x="4486784" y="1332735"/>
+            <a:ext cx="2688244" cy="5413636"/>
           </a:xfrm>
           <a:prstGeom prst="rect">
             <a:avLst/>
@@ -9898,16 +10139,15 @@
           </p:cNvPicPr>
           <p:nvPr/>
         </p:nvPicPr>
-        <p:blipFill>
+        <p:blipFill rotWithShape="1">
           <a:blip r:embed="rId4"/>
-          <a:stretch>
-            <a:fillRect/>
-          </a:stretch>
+          <a:srcRect l="22140" t="909" r="37638" b="1818"/>
+          <a:stretch/>
         </p:blipFill>
         <p:spPr>
           <a:xfrm>
-            <a:off x="7480437" y="1332523"/>
-            <a:ext cx="2643281" cy="5414107"/>
+            <a:off x="7470668" y="1338284"/>
+            <a:ext cx="2782553" cy="5422389"/>
           </a:xfrm>
           <a:prstGeom prst="rect">
             <a:avLst/>
@@ -9996,16 +10236,15 @@
             <p:ph idx="1"/>
           </p:nvPr>
         </p:nvPicPr>
-        <p:blipFill>
+        <p:blipFill rotWithShape="1">
           <a:blip r:embed="rId2"/>
-          <a:stretch>
-            <a:fillRect/>
-          </a:stretch>
+          <a:srcRect l="22261" t="877" r="37456" b="438"/>
+          <a:stretch/>
         </p:blipFill>
         <p:spPr>
           <a:xfrm>
-            <a:off x="2627453" y="1122241"/>
-            <a:ext cx="2755861" cy="5523645"/>
+            <a:off x="2715377" y="1117667"/>
+            <a:ext cx="2800215" cy="5571830"/>
           </a:xfrm>
         </p:spPr>
       </p:pic>
@@ -10023,16 +10262,15 @@
           </p:cNvPicPr>
           <p:nvPr/>
         </p:nvPicPr>
-        <p:blipFill>
+        <p:blipFill rotWithShape="1">
           <a:blip r:embed="rId3"/>
-          <a:stretch>
-            <a:fillRect/>
-          </a:stretch>
+          <a:srcRect l="22300" t="1293" r="37979" b="862"/>
+          <a:stretch/>
         </p:blipFill>
         <p:spPr>
           <a:xfrm>
-            <a:off x="6409878" y="1117600"/>
-            <a:ext cx="2801243" cy="5550876"/>
+            <a:off x="6719277" y="1146975"/>
+            <a:ext cx="2753908" cy="5540189"/>
           </a:xfrm>
           <a:prstGeom prst="rect">
             <a:avLst/>
@@ -10087,7 +10325,7 @@
         </p:nvSpPr>
         <p:spPr>
           <a:xfrm>
-            <a:off x="838200" y="169740"/>
+            <a:off x="838200" y="52509"/>
             <a:ext cx="10515600" cy="1325563"/>
           </a:xfrm>
         </p:spPr>
@@ -10121,22 +10359,21 @@
             <p:ph idx="1"/>
           </p:nvPr>
         </p:nvPicPr>
-        <p:blipFill>
+        <p:blipFill rotWithShape="1">
           <a:blip r:embed="rId2"/>
-          <a:stretch>
-            <a:fillRect/>
-          </a:stretch>
+          <a:srcRect l="22145" t="851" r="38408" b="2128"/>
+          <a:stretch/>
         </p:blipFill>
         <p:spPr>
           <a:xfrm>
-            <a:off x="2650808" y="995241"/>
-            <a:ext cx="2826382" cy="5631107"/>
+            <a:off x="1752039" y="1025624"/>
+            <a:ext cx="2834291" cy="5668271"/>
           </a:xfrm>
         </p:spPr>
       </p:pic>
       <p:pic>
         <p:nvPicPr>
-          <p:cNvPr id="8" name="Picture 8" descr="A screenshot of a cellphone&#10;&#10;Description generated with high confidence">
+          <p:cNvPr id="8" name="Picture 8" descr="A screenshot of a cell phone&#10;&#10;Description generated with very high confidence">
             <a:extLst>
               <a:ext uri="{FF2B5EF4-FFF2-40B4-BE49-F238E27FC236}">
                 <a16:creationId xmlns:a16="http://schemas.microsoft.com/office/drawing/2014/main" id="{2166F3C7-CFC7-40B6-A318-7F704131B309}"/>
@@ -10148,16 +10385,44 @@
           </p:cNvPicPr>
           <p:nvPr/>
         </p:nvPicPr>
-        <p:blipFill>
+        <p:blipFill rotWithShape="1">
           <a:blip r:embed="rId3"/>
-          <a:stretch>
-            <a:fillRect/>
-          </a:stretch>
+          <a:srcRect l="22491" t="855" r="37370" b="1282"/>
+          <a:stretch/>
         </p:blipFill>
         <p:spPr>
           <a:xfrm>
-            <a:off x="6870459" y="1029677"/>
-            <a:ext cx="2827695" cy="5648569"/>
+            <a:off x="4965459" y="1029183"/>
+            <a:ext cx="2834841" cy="5659264"/>
+          </a:xfrm>
+          <a:prstGeom prst="rect">
+            <a:avLst/>
+          </a:prstGeom>
+        </p:spPr>
+      </p:pic>
+      <p:pic>
+        <p:nvPicPr>
+          <p:cNvPr id="5" name="Picture 8" descr="A screenshot of a cell phone&#10;&#10;Description generated with very high confidence">
+            <a:extLst>
+              <a:ext uri="{FF2B5EF4-FFF2-40B4-BE49-F238E27FC236}">
+                <a16:creationId xmlns:a16="http://schemas.microsoft.com/office/drawing/2014/main" id="{A0677BC4-F9C9-49BA-8851-97D44767E7AF}"/>
+              </a:ext>
+            </a:extLst>
+          </p:cNvPr>
+          <p:cNvPicPr>
+            <a:picLocks noChangeAspect="1"/>
+          </p:cNvPicPr>
+          <p:nvPr/>
+        </p:nvPicPr>
+        <p:blipFill rotWithShape="1">
+          <a:blip r:embed="rId4"/>
+          <a:srcRect l="22491" t="855" r="37370" b="1282"/>
+          <a:stretch/>
+        </p:blipFill>
+        <p:spPr>
+          <a:xfrm>
+            <a:off x="8179535" y="1031145"/>
+            <a:ext cx="2834841" cy="5674879"/>
           </a:xfrm>
           <a:prstGeom prst="rect">
             <a:avLst/>
@@ -10706,7 +10971,7 @@
               <a:rPr lang="en-US" dirty="0">
                 <a:cs typeface="Calibri Light"/>
               </a:rPr>
-              <a:t>Encrypted XML File (Account Section)</a:t>
+              <a:t>Encrypted XML File (Security Section)</a:t>
             </a:r>
             <a:endParaRPr lang="en-US" dirty="0"/>
           </a:p>
@@ -10731,7 +10996,7 @@
         <p:spPr>
           <a:xfrm>
             <a:off x="838200" y="1825625"/>
-            <a:ext cx="8062913" cy="4351338"/>
+            <a:ext cx="10085143" cy="4351338"/>
           </a:xfrm>
           <a:ln>
             <a:solidFill>
@@ -10741,18 +11006,9 @@
         </p:spPr>
         <p:txBody>
           <a:bodyPr vert="horz" lIns="91440" tIns="45720" rIns="91440" bIns="45720" rtlCol="0" anchor="t">
-            <a:normAutofit fontScale="85000" lnSpcReduction="20000"/>
+            <a:normAutofit/>
           </a:bodyPr>
           <a:lstStyle/>
-          <a:p>
-            <a:pPr>
-              <a:buNone/>
-            </a:pPr>
-            <a:endParaRPr lang="en-US" dirty="0">
-              <a:ea typeface="+mn-lt"/>
-              <a:cs typeface="+mn-lt"/>
-            </a:endParaRPr>
-          </a:p>
           <a:p>
             <a:pPr>
               <a:buNone/>
@@ -10764,9 +11020,6 @@
               </a:rPr>
               <a:t>&lt;?xml version="1.0" encoding="UTF-8"?&gt;</a:t>
             </a:r>
-            <a:endParaRPr lang="en-US" dirty="0">
-              <a:cs typeface="Calibri"/>
-            </a:endParaRPr>
           </a:p>
           <a:p>
             <a:pPr>
@@ -10777,9 +11030,8 @@
                 <a:ea typeface="+mn-lt"/>
                 <a:cs typeface="+mn-lt"/>
               </a:rPr>
-              <a:t>&lt;xml&gt;</a:t>
+              <a:t>&lt;root&gt;</a:t>
             </a:r>
-            <a:endParaRPr lang="en-US" dirty="0"/>
           </a:p>
           <a:p>
             <a:pPr>
@@ -10790,9 +11042,8 @@
                 <a:ea typeface="+mn-lt"/>
                 <a:cs typeface="+mn-lt"/>
               </a:rPr>
-              <a:t>    &lt;account&gt;</a:t>
+              <a:t>    &lt;security&gt;</a:t>
             </a:r>
-            <a:endParaRPr lang="en-US" dirty="0"/>
           </a:p>
           <a:p>
             <a:pPr>
@@ -10805,7 +11056,6 @@
               </a:rPr>
               <a:t>        &lt;pin&gt;1234&lt;/pin&gt;</a:t>
             </a:r>
-            <a:endParaRPr lang="en-US" dirty="0"/>
           </a:p>
           <a:p>
             <a:pPr>
@@ -10816,9 +11066,8 @@
                 <a:ea typeface="+mn-lt"/>
                 <a:cs typeface="+mn-lt"/>
               </a:rPr>
-              <a:t>        &lt;security&gt;</a:t>
+              <a:t>        &lt;question&gt;What city were you born in?&lt;/question&gt;</a:t>
             </a:r>
-            <a:endParaRPr lang="en-US" dirty="0"/>
           </a:p>
           <a:p>
             <a:pPr>
@@ -10829,9 +11078,8 @@
                 <a:ea typeface="+mn-lt"/>
                 <a:cs typeface="+mn-lt"/>
               </a:rPr>
-              <a:t>            &lt;question&gt;What city were you born in?&lt;/question&gt;</a:t>
+              <a:t>        &lt;answer&gt;Seattle&lt;/answer&gt;</a:t>
             </a:r>
-            <a:endParaRPr lang="en-US" dirty="0"/>
           </a:p>
           <a:p>
             <a:pPr>
@@ -10842,35 +11090,8 @@
                 <a:ea typeface="+mn-lt"/>
                 <a:cs typeface="+mn-lt"/>
               </a:rPr>
-              <a:t>            &lt;answer&gt;Seattle&lt;/answer&gt;</a:t>
+              <a:t>    &lt;/security&gt;</a:t>
             </a:r>
-            <a:endParaRPr lang="en-US" dirty="0"/>
-          </a:p>
-          <a:p>
-            <a:pPr>
-              <a:buNone/>
-            </a:pPr>
-            <a:r>
-              <a:rPr lang="en-US" dirty="0">
-                <a:ea typeface="+mn-lt"/>
-                <a:cs typeface="+mn-lt"/>
-              </a:rPr>
-              <a:t>        &lt;/security&gt;</a:t>
-            </a:r>
-            <a:endParaRPr lang="en-US" dirty="0"/>
-          </a:p>
-          <a:p>
-            <a:pPr>
-              <a:buNone/>
-            </a:pPr>
-            <a:r>
-              <a:rPr lang="en-US" dirty="0">
-                <a:ea typeface="+mn-lt"/>
-                <a:cs typeface="+mn-lt"/>
-              </a:rPr>
-              <a:t>    &lt;/account&gt;</a:t>
-            </a:r>
-            <a:endParaRPr lang="en-US" dirty="0"/>
           </a:p>
           <a:p>
             <a:pPr>
@@ -11164,18 +11385,18 @@
 </file>
 
 <file path=customXml/item1.xml><?xml version="1.0" encoding="utf-8"?>
+<p:properties xmlns:p="http://schemas.microsoft.com/office/2006/metadata/properties" xmlns:xsi="http://www.w3.org/2001/XMLSchema-instance" xmlns:pc="http://schemas.microsoft.com/office/infopath/2007/PartnerControls">
+  <documentManagement/>
+</p:properties>
+</file>
+
+<file path=customXml/item2.xml><?xml version="1.0" encoding="utf-8"?>
 <?mso-contentType ?>
 <FormTemplates xmlns="http://schemas.microsoft.com/sharepoint/v3/contenttype/forms">
   <Display>DocumentLibraryForm</Display>
   <Edit>DocumentLibraryForm</Edit>
   <New>DocumentLibraryForm</New>
 </FormTemplates>
-</file>
-
-<file path=customXml/item2.xml><?xml version="1.0" encoding="utf-8"?>
-<p:properties xmlns:p="http://schemas.microsoft.com/office/2006/metadata/properties" xmlns:xsi="http://www.w3.org/2001/XMLSchema-instance" xmlns:pc="http://schemas.microsoft.com/office/infopath/2007/PartnerControls">
-  <documentManagement/>
-</p:properties>
 </file>
 
 <file path=customXml/item3.xml><?xml version="1.0" encoding="utf-8"?>
@@ -11363,14 +11584,6 @@
 </file>
 
 <file path=customXml/itemProps1.xml><?xml version="1.0" encoding="utf-8"?>
-<ds:datastoreItem xmlns:ds="http://schemas.openxmlformats.org/officeDocument/2006/customXml" ds:itemID="{8CFFED16-F0FC-4CCF-94AA-079411548C38}">
-  <ds:schemaRefs>
-    <ds:schemaRef ds:uri="http://schemas.microsoft.com/sharepoint/v3/contenttype/forms"/>
-  </ds:schemaRefs>
-</ds:datastoreItem>
-</file>
-
-<file path=customXml/itemProps2.xml><?xml version="1.0" encoding="utf-8"?>
 <ds:datastoreItem xmlns:ds="http://schemas.openxmlformats.org/officeDocument/2006/customXml" ds:itemID="{09621641-6309-4AD3-A6A2-D67FF0E9BC61}">
   <ds:schemaRefs>
     <ds:schemaRef ds:uri="b6a19767-1883-4ae5-86d0-5dd274dd8983"/>
@@ -11382,6 +11595,14 @@
     <ds:schemaRef ds:uri="http://schemas.microsoft.com/office/infopath/2007/PartnerControls"/>
     <ds:schemaRef ds:uri="http://schemas.openxmlformats.org/package/2006/metadata/core-properties"/>
     <ds:schemaRef ds:uri="http://www.w3.org/XML/1998/namespace"/>
+  </ds:schemaRefs>
+</ds:datastoreItem>
+</file>
+
+<file path=customXml/itemProps2.xml><?xml version="1.0" encoding="utf-8"?>
+<ds:datastoreItem xmlns:ds="http://schemas.openxmlformats.org/officeDocument/2006/customXml" ds:itemID="{8CFFED16-F0FC-4CCF-94AA-079411548C38}">
+  <ds:schemaRefs>
+    <ds:schemaRef ds:uri="http://schemas.microsoft.com/sharepoint/v3/contenttype/forms"/>
   </ds:schemaRefs>
 </ds:datastoreItem>
 </file>
